--- a/ref/Presentation2.pptx
+++ b/ref/Presentation2.pptx
@@ -5,12 +5,13 @@
     <p:sldMasterId id="2147483648" r:id="rId1"/>
   </p:sldMasterIdLst>
   <p:notesMasterIdLst>
-    <p:notesMasterId r:id="rId5"/>
+    <p:notesMasterId r:id="rId6"/>
   </p:notesMasterIdLst>
   <p:sldIdLst>
     <p:sldId id="256" r:id="rId2"/>
     <p:sldId id="258" r:id="rId3"/>
     <p:sldId id="259" r:id="rId4"/>
+    <p:sldId id="260" r:id="rId5"/>
   </p:sldIdLst>
   <p:sldSz cx="12192000" cy="6858000"/>
   <p:notesSz cx="6858000" cy="9144000"/>
@@ -109,6 +110,11 @@
       </a:defRPr>
     </a:lvl9pPr>
   </p:defaultTextStyle>
+  <p:extLst>
+    <p:ext uri="{EFAFB233-063F-42B5-8137-9DF3F51BA10A}">
+      <p15:sldGuideLst xmlns:p15="http://schemas.microsoft.com/office/powerpoint/2012/main"/>
+    </p:ext>
+  </p:extLst>
 </p:presentation>
 </file>
 
@@ -194,7 +200,7 @@
           <a:p>
             <a:fld id="{7958BDDF-FE35-4494-8AD9-0B2F82C97D5F}" type="datetimeFigureOut">
               <a:rPr lang="en-US" smtClean="0"/>
-              <a:t>6/17/2022</a:t>
+              <a:t>6/23/2022</a:t>
             </a:fld>
             <a:endParaRPr lang="en-US"/>
           </a:p>
@@ -734,6 +740,90 @@
 </p:notes>
 </file>
 
+<file path=ppt/notesSlides/notesSlide4.xml><?xml version="1.0" encoding="utf-8"?>
+<p:notes xmlns:a="http://schemas.openxmlformats.org/drawingml/2006/main" xmlns:r="http://schemas.openxmlformats.org/officeDocument/2006/relationships" xmlns:p="http://schemas.openxmlformats.org/presentationml/2006/main">
+  <p:cSld>
+    <p:spTree>
+      <p:nvGrpSpPr>
+        <p:cNvPr id="1" name=""/>
+        <p:cNvGrpSpPr/>
+        <p:nvPr/>
+      </p:nvGrpSpPr>
+      <p:grpSpPr>
+        <a:xfrm>
+          <a:off x="0" y="0"/>
+          <a:ext cx="0" cy="0"/>
+          <a:chOff x="0" y="0"/>
+          <a:chExt cx="0" cy="0"/>
+        </a:xfrm>
+      </p:grpSpPr>
+      <p:sp>
+        <p:nvSpPr>
+          <p:cNvPr id="2" name="Slide Image Placeholder 1"/>
+          <p:cNvSpPr>
+            <a:spLocks noGrp="1" noRot="1" noChangeAspect="1"/>
+          </p:cNvSpPr>
+          <p:nvPr>
+            <p:ph type="sldImg"/>
+          </p:nvPr>
+        </p:nvSpPr>
+        <p:spPr/>
+      </p:sp>
+      <p:sp>
+        <p:nvSpPr>
+          <p:cNvPr id="3" name="Notes Placeholder 2"/>
+          <p:cNvSpPr>
+            <a:spLocks noGrp="1"/>
+          </p:cNvSpPr>
+          <p:nvPr>
+            <p:ph type="body" idx="1"/>
+          </p:nvPr>
+        </p:nvSpPr>
+        <p:spPr/>
+        <p:txBody>
+          <a:bodyPr/>
+          <a:lstStyle/>
+          <a:p>
+            <a:endParaRPr lang="en-US"/>
+          </a:p>
+        </p:txBody>
+      </p:sp>
+      <p:sp>
+        <p:nvSpPr>
+          <p:cNvPr id="4" name="Slide Number Placeholder 3"/>
+          <p:cNvSpPr>
+            <a:spLocks noGrp="1"/>
+          </p:cNvSpPr>
+          <p:nvPr>
+            <p:ph type="sldNum" sz="quarter" idx="5"/>
+          </p:nvPr>
+        </p:nvSpPr>
+        <p:spPr/>
+        <p:txBody>
+          <a:bodyPr/>
+          <a:lstStyle/>
+          <a:p>
+            <a:fld id="{BD12B9B6-A7BF-49E4-B56A-1D598F1AA257}" type="slidenum">
+              <a:rPr lang="en-US" smtClean="0"/>
+              <a:t>4</a:t>
+            </a:fld>
+            <a:endParaRPr lang="en-US"/>
+          </a:p>
+        </p:txBody>
+      </p:sp>
+    </p:spTree>
+    <p:extLst>
+      <p:ext uri="{BB962C8B-B14F-4D97-AF65-F5344CB8AC3E}">
+        <p14:creationId xmlns:p14="http://schemas.microsoft.com/office/powerpoint/2010/main" val="417300298"/>
+      </p:ext>
+    </p:extLst>
+  </p:cSld>
+  <p:clrMapOvr>
+    <a:masterClrMapping/>
+  </p:clrMapOvr>
+</p:notes>
+</file>
+
 <file path=ppt/slideLayouts/slideLayout1.xml><?xml version="1.0" encoding="utf-8"?>
 <p:sldLayout xmlns:a="http://schemas.openxmlformats.org/drawingml/2006/main" xmlns:r="http://schemas.openxmlformats.org/officeDocument/2006/relationships" xmlns:p="http://schemas.openxmlformats.org/presentationml/2006/main" type="title" preserve="1">
   <p:cSld name="Title Slide">
@@ -881,7 +971,7 @@
           <a:p>
             <a:fld id="{09438375-C618-4C70-BB55-CC98801B03C1}" type="datetimeFigureOut">
               <a:rPr lang="en-US" smtClean="0"/>
-              <a:t>6/17/2022</a:t>
+              <a:t>6/23/2022</a:t>
             </a:fld>
             <a:endParaRPr lang="en-US"/>
           </a:p>
@@ -1079,7 +1169,7 @@
           <a:p>
             <a:fld id="{09438375-C618-4C70-BB55-CC98801B03C1}" type="datetimeFigureOut">
               <a:rPr lang="en-US" smtClean="0"/>
-              <a:t>6/17/2022</a:t>
+              <a:t>6/23/2022</a:t>
             </a:fld>
             <a:endParaRPr lang="en-US"/>
           </a:p>
@@ -1287,7 +1377,7 @@
           <a:p>
             <a:fld id="{09438375-C618-4C70-BB55-CC98801B03C1}" type="datetimeFigureOut">
               <a:rPr lang="en-US" smtClean="0"/>
-              <a:t>6/17/2022</a:t>
+              <a:t>6/23/2022</a:t>
             </a:fld>
             <a:endParaRPr lang="en-US"/>
           </a:p>
@@ -1485,7 +1575,7 @@
           <a:p>
             <a:fld id="{09438375-C618-4C70-BB55-CC98801B03C1}" type="datetimeFigureOut">
               <a:rPr lang="en-US" smtClean="0"/>
-              <a:t>6/17/2022</a:t>
+              <a:t>6/23/2022</a:t>
             </a:fld>
             <a:endParaRPr lang="en-US"/>
           </a:p>
@@ -1760,7 +1850,7 @@
           <a:p>
             <a:fld id="{09438375-C618-4C70-BB55-CC98801B03C1}" type="datetimeFigureOut">
               <a:rPr lang="en-US" smtClean="0"/>
-              <a:t>6/17/2022</a:t>
+              <a:t>6/23/2022</a:t>
             </a:fld>
             <a:endParaRPr lang="en-US"/>
           </a:p>
@@ -2025,7 +2115,7 @@
           <a:p>
             <a:fld id="{09438375-C618-4C70-BB55-CC98801B03C1}" type="datetimeFigureOut">
               <a:rPr lang="en-US" smtClean="0"/>
-              <a:t>6/17/2022</a:t>
+              <a:t>6/23/2022</a:t>
             </a:fld>
             <a:endParaRPr lang="en-US"/>
           </a:p>
@@ -2437,7 +2527,7 @@
           <a:p>
             <a:fld id="{09438375-C618-4C70-BB55-CC98801B03C1}" type="datetimeFigureOut">
               <a:rPr lang="en-US" smtClean="0"/>
-              <a:t>6/17/2022</a:t>
+              <a:t>6/23/2022</a:t>
             </a:fld>
             <a:endParaRPr lang="en-US"/>
           </a:p>
@@ -2578,7 +2668,7 @@
           <a:p>
             <a:fld id="{09438375-C618-4C70-BB55-CC98801B03C1}" type="datetimeFigureOut">
               <a:rPr lang="en-US" smtClean="0"/>
-              <a:t>6/17/2022</a:t>
+              <a:t>6/23/2022</a:t>
             </a:fld>
             <a:endParaRPr lang="en-US"/>
           </a:p>
@@ -2691,7 +2781,7 @@
           <a:p>
             <a:fld id="{09438375-C618-4C70-BB55-CC98801B03C1}" type="datetimeFigureOut">
               <a:rPr lang="en-US" smtClean="0"/>
-              <a:t>6/17/2022</a:t>
+              <a:t>6/23/2022</a:t>
             </a:fld>
             <a:endParaRPr lang="en-US"/>
           </a:p>
@@ -3002,7 +3092,7 @@
           <a:p>
             <a:fld id="{09438375-C618-4C70-BB55-CC98801B03C1}" type="datetimeFigureOut">
               <a:rPr lang="en-US" smtClean="0"/>
-              <a:t>6/17/2022</a:t>
+              <a:t>6/23/2022</a:t>
             </a:fld>
             <a:endParaRPr lang="en-US"/>
           </a:p>
@@ -3290,7 +3380,7 @@
           <a:p>
             <a:fld id="{09438375-C618-4C70-BB55-CC98801B03C1}" type="datetimeFigureOut">
               <a:rPr lang="en-US" smtClean="0"/>
-              <a:t>6/17/2022</a:t>
+              <a:t>6/23/2022</a:t>
             </a:fld>
             <a:endParaRPr lang="en-US"/>
           </a:p>
@@ -3531,7 +3621,7 @@
           <a:p>
             <a:fld id="{09438375-C618-4C70-BB55-CC98801B03C1}" type="datetimeFigureOut">
               <a:rPr lang="en-US" smtClean="0"/>
-              <a:t>6/17/2022</a:t>
+              <a:t>6/23/2022</a:t>
             </a:fld>
             <a:endParaRPr lang="en-US"/>
           </a:p>
@@ -6310,6 +6400,462 @@
     <p:extLst>
       <p:ext uri="{BB962C8B-B14F-4D97-AF65-F5344CB8AC3E}">
         <p14:creationId xmlns:p14="http://schemas.microsoft.com/office/powerpoint/2010/main" val="1366290442"/>
+      </p:ext>
+    </p:extLst>
+  </p:cSld>
+  <p:clrMapOvr>
+    <a:masterClrMapping/>
+  </p:clrMapOvr>
+</p:sld>
+</file>
+
+<file path=ppt/slides/slide4.xml><?xml version="1.0" encoding="utf-8"?>
+<p:sld xmlns:a="http://schemas.openxmlformats.org/drawingml/2006/main" xmlns:r="http://schemas.openxmlformats.org/officeDocument/2006/relationships" xmlns:p="http://schemas.openxmlformats.org/presentationml/2006/main">
+  <p:cSld>
+    <p:spTree>
+      <p:nvGrpSpPr>
+        <p:cNvPr id="1" name=""/>
+        <p:cNvGrpSpPr/>
+        <p:nvPr/>
+      </p:nvGrpSpPr>
+      <p:grpSpPr>
+        <a:xfrm>
+          <a:off x="0" y="0"/>
+          <a:ext cx="0" cy="0"/>
+          <a:chOff x="0" y="0"/>
+          <a:chExt cx="0" cy="0"/>
+        </a:xfrm>
+      </p:grpSpPr>
+      <p:sp>
+        <p:nvSpPr>
+          <p:cNvPr id="4" name="Oval 3">
+            <a:extLst>
+              <a:ext uri="{FF2B5EF4-FFF2-40B4-BE49-F238E27FC236}">
+                <a16:creationId xmlns:a16="http://schemas.microsoft.com/office/drawing/2014/main" id="{F1C0C820-DC4C-D545-E124-5221832B5063}"/>
+              </a:ext>
+            </a:extLst>
+          </p:cNvPr>
+          <p:cNvSpPr/>
+          <p:nvPr/>
+        </p:nvSpPr>
+        <p:spPr>
+          <a:xfrm>
+            <a:off x="1801906" y="4296336"/>
+            <a:ext cx="927847" cy="894229"/>
+          </a:xfrm>
+          <a:prstGeom prst="ellipse">
+            <a:avLst/>
+          </a:prstGeom>
+        </p:spPr>
+        <p:style>
+          <a:lnRef idx="2">
+            <a:schemeClr val="accent1">
+              <a:shade val="50000"/>
+            </a:schemeClr>
+          </a:lnRef>
+          <a:fillRef idx="1">
+            <a:schemeClr val="accent1"/>
+          </a:fillRef>
+          <a:effectRef idx="0">
+            <a:schemeClr val="accent1"/>
+          </a:effectRef>
+          <a:fontRef idx="minor">
+            <a:schemeClr val="lt1"/>
+          </a:fontRef>
+        </p:style>
+        <p:txBody>
+          <a:bodyPr rtlCol="0" anchor="ctr"/>
+          <a:lstStyle/>
+          <a:p>
+            <a:pPr algn="ctr"/>
+            <a:r>
+              <a:rPr lang="en-US" dirty="0"/>
+              <a:t>W</a:t>
+            </a:r>
+          </a:p>
+        </p:txBody>
+      </p:sp>
+      <p:sp>
+        <p:nvSpPr>
+          <p:cNvPr id="5" name="Oval 4">
+            <a:extLst>
+              <a:ext uri="{FF2B5EF4-FFF2-40B4-BE49-F238E27FC236}">
+                <a16:creationId xmlns:a16="http://schemas.microsoft.com/office/drawing/2014/main" id="{3C534F53-BE2E-D284-F535-0644568576D8}"/>
+              </a:ext>
+            </a:extLst>
+          </p:cNvPr>
+          <p:cNvSpPr/>
+          <p:nvPr/>
+        </p:nvSpPr>
+        <p:spPr>
+          <a:xfrm>
+            <a:off x="4596654" y="1927412"/>
+            <a:ext cx="802341" cy="829235"/>
+          </a:xfrm>
+          <a:prstGeom prst="ellipse">
+            <a:avLst/>
+          </a:prstGeom>
+        </p:spPr>
+        <p:style>
+          <a:lnRef idx="2">
+            <a:schemeClr val="accent1">
+              <a:shade val="50000"/>
+            </a:schemeClr>
+          </a:lnRef>
+          <a:fillRef idx="1">
+            <a:schemeClr val="accent1"/>
+          </a:fillRef>
+          <a:effectRef idx="0">
+            <a:schemeClr val="accent1"/>
+          </a:effectRef>
+          <a:fontRef idx="minor">
+            <a:schemeClr val="lt1"/>
+          </a:fontRef>
+        </p:style>
+        <p:txBody>
+          <a:bodyPr rtlCol="0" anchor="ctr"/>
+          <a:lstStyle/>
+          <a:p>
+            <a:pPr algn="ctr"/>
+            <a:r>
+              <a:rPr lang="en-US" dirty="0"/>
+              <a:t>W*</a:t>
+            </a:r>
+          </a:p>
+        </p:txBody>
+      </p:sp>
+      <p:cxnSp>
+        <p:nvCxnSpPr>
+          <p:cNvPr id="7" name="Straight Arrow Connector 6">
+            <a:extLst>
+              <a:ext uri="{FF2B5EF4-FFF2-40B4-BE49-F238E27FC236}">
+                <a16:creationId xmlns:a16="http://schemas.microsoft.com/office/drawing/2014/main" id="{4C19FCF8-F339-782E-7E09-A80CF5E03543}"/>
+              </a:ext>
+            </a:extLst>
+          </p:cNvPr>
+          <p:cNvCxnSpPr>
+            <a:cxnSpLocks/>
+          </p:cNvCxnSpPr>
+          <p:nvPr/>
+        </p:nvCxnSpPr>
+        <p:spPr>
+          <a:xfrm>
+            <a:off x="1566582" y="3429000"/>
+            <a:ext cx="4529418" cy="0"/>
+          </a:xfrm>
+          <a:prstGeom prst="straightConnector1">
+            <a:avLst/>
+          </a:prstGeom>
+          <a:ln>
+            <a:tailEnd type="triangle"/>
+          </a:ln>
+        </p:spPr>
+        <p:style>
+          <a:lnRef idx="1">
+            <a:schemeClr val="accent1"/>
+          </a:lnRef>
+          <a:fillRef idx="0">
+            <a:schemeClr val="accent1"/>
+          </a:fillRef>
+          <a:effectRef idx="0">
+            <a:schemeClr val="accent1"/>
+          </a:effectRef>
+          <a:fontRef idx="minor">
+            <a:schemeClr val="tx1"/>
+          </a:fontRef>
+        </p:style>
+      </p:cxnSp>
+      <p:cxnSp>
+        <p:nvCxnSpPr>
+          <p:cNvPr id="8" name="Straight Arrow Connector 7">
+            <a:extLst>
+              <a:ext uri="{FF2B5EF4-FFF2-40B4-BE49-F238E27FC236}">
+                <a16:creationId xmlns:a16="http://schemas.microsoft.com/office/drawing/2014/main" id="{742F0D60-F45C-7627-8681-C5D77AC14ECC}"/>
+              </a:ext>
+            </a:extLst>
+          </p:cNvPr>
+          <p:cNvCxnSpPr>
+            <a:cxnSpLocks/>
+          </p:cNvCxnSpPr>
+          <p:nvPr/>
+        </p:nvCxnSpPr>
+        <p:spPr>
+          <a:xfrm flipH="1" flipV="1">
+            <a:off x="3892924" y="1129553"/>
+            <a:ext cx="60511" cy="4713194"/>
+          </a:xfrm>
+          <a:prstGeom prst="straightConnector1">
+            <a:avLst/>
+          </a:prstGeom>
+          <a:ln>
+            <a:tailEnd type="triangle"/>
+          </a:ln>
+        </p:spPr>
+        <p:style>
+          <a:lnRef idx="1">
+            <a:schemeClr val="accent1"/>
+          </a:lnRef>
+          <a:fillRef idx="0">
+            <a:schemeClr val="accent1"/>
+          </a:fillRef>
+          <a:effectRef idx="0">
+            <a:schemeClr val="accent1"/>
+          </a:effectRef>
+          <a:fontRef idx="minor">
+            <a:schemeClr val="tx1"/>
+          </a:fontRef>
+        </p:style>
+      </p:cxnSp>
+      <p:cxnSp>
+        <p:nvCxnSpPr>
+          <p:cNvPr id="13" name="Straight Arrow Connector 12">
+            <a:extLst>
+              <a:ext uri="{FF2B5EF4-FFF2-40B4-BE49-F238E27FC236}">
+                <a16:creationId xmlns:a16="http://schemas.microsoft.com/office/drawing/2014/main" id="{72BCA0F3-279E-9993-6EE1-F744C3415682}"/>
+              </a:ext>
+            </a:extLst>
+          </p:cNvPr>
+          <p:cNvCxnSpPr>
+            <a:cxnSpLocks/>
+          </p:cNvCxnSpPr>
+          <p:nvPr/>
+        </p:nvCxnSpPr>
+        <p:spPr>
+          <a:xfrm flipV="1">
+            <a:off x="2319618" y="4296336"/>
+            <a:ext cx="1114985" cy="450476"/>
+          </a:xfrm>
+          <a:prstGeom prst="straightConnector1">
+            <a:avLst/>
+          </a:prstGeom>
+          <a:ln>
+            <a:tailEnd type="triangle"/>
+          </a:ln>
+        </p:spPr>
+        <p:style>
+          <a:lnRef idx="1">
+            <a:schemeClr val="accent1"/>
+          </a:lnRef>
+          <a:fillRef idx="0">
+            <a:schemeClr val="accent1"/>
+          </a:fillRef>
+          <a:effectRef idx="0">
+            <a:schemeClr val="accent1"/>
+          </a:effectRef>
+          <a:fontRef idx="minor">
+            <a:schemeClr val="tx1"/>
+          </a:fontRef>
+        </p:style>
+      </p:cxnSp>
+      <p:cxnSp>
+        <p:nvCxnSpPr>
+          <p:cNvPr id="14" name="Straight Arrow Connector 13">
+            <a:extLst>
+              <a:ext uri="{FF2B5EF4-FFF2-40B4-BE49-F238E27FC236}">
+                <a16:creationId xmlns:a16="http://schemas.microsoft.com/office/drawing/2014/main" id="{B9607F66-7ED8-745F-B00A-0DF041FE5BFD}"/>
+              </a:ext>
+            </a:extLst>
+          </p:cNvPr>
+          <p:cNvCxnSpPr>
+            <a:cxnSpLocks/>
+          </p:cNvCxnSpPr>
+          <p:nvPr/>
+        </p:nvCxnSpPr>
+        <p:spPr>
+          <a:xfrm flipH="1" flipV="1">
+            <a:off x="2905405" y="3697941"/>
+            <a:ext cx="529198" cy="598395"/>
+          </a:xfrm>
+          <a:prstGeom prst="straightConnector1">
+            <a:avLst/>
+          </a:prstGeom>
+          <a:ln>
+            <a:tailEnd type="triangle"/>
+          </a:ln>
+        </p:spPr>
+        <p:style>
+          <a:lnRef idx="1">
+            <a:schemeClr val="accent1"/>
+          </a:lnRef>
+          <a:fillRef idx="0">
+            <a:schemeClr val="accent1"/>
+          </a:fillRef>
+          <a:effectRef idx="0">
+            <a:schemeClr val="accent1"/>
+          </a:effectRef>
+          <a:fontRef idx="minor">
+            <a:schemeClr val="tx1"/>
+          </a:fontRef>
+        </p:style>
+      </p:cxnSp>
+      <p:cxnSp>
+        <p:nvCxnSpPr>
+          <p:cNvPr id="20" name="Straight Arrow Connector 19">
+            <a:extLst>
+              <a:ext uri="{FF2B5EF4-FFF2-40B4-BE49-F238E27FC236}">
+                <a16:creationId xmlns:a16="http://schemas.microsoft.com/office/drawing/2014/main" id="{D2C5BFCE-06F8-F323-149E-094AA290B13F}"/>
+              </a:ext>
+            </a:extLst>
+          </p:cNvPr>
+          <p:cNvCxnSpPr>
+            <a:cxnSpLocks/>
+          </p:cNvCxnSpPr>
+          <p:nvPr/>
+        </p:nvCxnSpPr>
+        <p:spPr>
+          <a:xfrm>
+            <a:off x="2877110" y="3664323"/>
+            <a:ext cx="710453" cy="302559"/>
+          </a:xfrm>
+          <a:prstGeom prst="straightConnector1">
+            <a:avLst/>
+          </a:prstGeom>
+          <a:ln>
+            <a:tailEnd type="triangle"/>
+          </a:ln>
+        </p:spPr>
+        <p:style>
+          <a:lnRef idx="1">
+            <a:schemeClr val="accent1"/>
+          </a:lnRef>
+          <a:fillRef idx="0">
+            <a:schemeClr val="accent1"/>
+          </a:fillRef>
+          <a:effectRef idx="0">
+            <a:schemeClr val="accent1"/>
+          </a:effectRef>
+          <a:fontRef idx="minor">
+            <a:schemeClr val="tx1"/>
+          </a:fontRef>
+        </p:style>
+      </p:cxnSp>
+      <p:cxnSp>
+        <p:nvCxnSpPr>
+          <p:cNvPr id="23" name="Straight Arrow Connector 22">
+            <a:extLst>
+              <a:ext uri="{FF2B5EF4-FFF2-40B4-BE49-F238E27FC236}">
+                <a16:creationId xmlns:a16="http://schemas.microsoft.com/office/drawing/2014/main" id="{C3984827-24EC-728D-F259-0304C55AAE9E}"/>
+              </a:ext>
+            </a:extLst>
+          </p:cNvPr>
+          <p:cNvCxnSpPr>
+            <a:cxnSpLocks/>
+          </p:cNvCxnSpPr>
+          <p:nvPr/>
+        </p:nvCxnSpPr>
+        <p:spPr>
+          <a:xfrm flipH="1" flipV="1">
+            <a:off x="3434603" y="3361765"/>
+            <a:ext cx="152960" cy="605117"/>
+          </a:xfrm>
+          <a:prstGeom prst="straightConnector1">
+            <a:avLst/>
+          </a:prstGeom>
+          <a:ln>
+            <a:tailEnd type="triangle"/>
+          </a:ln>
+        </p:spPr>
+        <p:style>
+          <a:lnRef idx="1">
+            <a:schemeClr val="accent1"/>
+          </a:lnRef>
+          <a:fillRef idx="0">
+            <a:schemeClr val="accent1"/>
+          </a:fillRef>
+          <a:effectRef idx="0">
+            <a:schemeClr val="accent1"/>
+          </a:effectRef>
+          <a:fontRef idx="minor">
+            <a:schemeClr val="tx1"/>
+          </a:fontRef>
+        </p:style>
+      </p:cxnSp>
+      <p:cxnSp>
+        <p:nvCxnSpPr>
+          <p:cNvPr id="28" name="Straight Arrow Connector 27">
+            <a:extLst>
+              <a:ext uri="{FF2B5EF4-FFF2-40B4-BE49-F238E27FC236}">
+                <a16:creationId xmlns:a16="http://schemas.microsoft.com/office/drawing/2014/main" id="{BA6A81CD-0D54-0297-AC52-6205458891CF}"/>
+              </a:ext>
+            </a:extLst>
+          </p:cNvPr>
+          <p:cNvCxnSpPr>
+            <a:cxnSpLocks/>
+          </p:cNvCxnSpPr>
+          <p:nvPr/>
+        </p:nvCxnSpPr>
+        <p:spPr>
+          <a:xfrm>
+            <a:off x="3462898" y="3395383"/>
+            <a:ext cx="490537" cy="90767"/>
+          </a:xfrm>
+          <a:prstGeom prst="straightConnector1">
+            <a:avLst/>
+          </a:prstGeom>
+          <a:ln>
+            <a:tailEnd type="triangle"/>
+          </a:ln>
+        </p:spPr>
+        <p:style>
+          <a:lnRef idx="1">
+            <a:schemeClr val="accent1"/>
+          </a:lnRef>
+          <a:fillRef idx="0">
+            <a:schemeClr val="accent1"/>
+          </a:fillRef>
+          <a:effectRef idx="0">
+            <a:schemeClr val="accent1"/>
+          </a:effectRef>
+          <a:fontRef idx="minor">
+            <a:schemeClr val="tx1"/>
+          </a:fontRef>
+        </p:style>
+      </p:cxnSp>
+      <p:cxnSp>
+        <p:nvCxnSpPr>
+          <p:cNvPr id="31" name="Straight Arrow Connector 30">
+            <a:extLst>
+              <a:ext uri="{FF2B5EF4-FFF2-40B4-BE49-F238E27FC236}">
+                <a16:creationId xmlns:a16="http://schemas.microsoft.com/office/drawing/2014/main" id="{F4FFD19F-45D3-D649-C2EB-A784C916C4B4}"/>
+              </a:ext>
+            </a:extLst>
+          </p:cNvPr>
+          <p:cNvCxnSpPr>
+            <a:cxnSpLocks/>
+          </p:cNvCxnSpPr>
+          <p:nvPr/>
+        </p:nvCxnSpPr>
+        <p:spPr>
+          <a:xfrm flipV="1">
+            <a:off x="3953435" y="3065929"/>
+            <a:ext cx="0" cy="420221"/>
+          </a:xfrm>
+          <a:prstGeom prst="straightConnector1">
+            <a:avLst/>
+          </a:prstGeom>
+          <a:ln>
+            <a:tailEnd type="triangle"/>
+          </a:ln>
+        </p:spPr>
+        <p:style>
+          <a:lnRef idx="1">
+            <a:schemeClr val="accent1"/>
+          </a:lnRef>
+          <a:fillRef idx="0">
+            <a:schemeClr val="accent1"/>
+          </a:fillRef>
+          <a:effectRef idx="0">
+            <a:schemeClr val="accent1"/>
+          </a:effectRef>
+          <a:fontRef idx="minor">
+            <a:schemeClr val="tx1"/>
+          </a:fontRef>
+        </p:style>
+      </p:cxnSp>
+    </p:spTree>
+    <p:extLst>
+      <p:ext uri="{BB962C8B-B14F-4D97-AF65-F5344CB8AC3E}">
+        <p14:creationId xmlns:p14="http://schemas.microsoft.com/office/powerpoint/2010/main" val="4045310633"/>
       </p:ext>
     </p:extLst>
   </p:cSld>
